--- a/ECD_Weather_Station.pptx
+++ b/ECD_Weather_Station.pptx
@@ -7,6 +7,7 @@
   <p:sldIdLst>
     <p:sldId id="256" r:id="rId2"/>
     <p:sldId id="257" r:id="rId3"/>
+    <p:sldId id="258" r:id="rId4"/>
   </p:sldIdLst>
   <p:sldSz cx="12192000" cy="6858000"/>
   <p:notesSz cx="6858000" cy="9144000"/>
@@ -107,7 +108,7 @@
   </p:defaultTextStyle>
   <p:extLst>
     <p:ext uri="{EFAFB233-063F-42B5-8137-9DF3F51BA10A}">
-      <p15:sldGuideLst xmlns:p15="http://schemas.microsoft.com/office/powerpoint/2012/main"/>
+      <p15:sldGuideLst xmlns:p15="http://schemas.microsoft.com/office/powerpoint/2012/main" xmlns=""/>
     </p:ext>
   </p:extLst>
 </p:presentation>
@@ -244,7 +245,7 @@
           <a:p>
             <a:fld id="{0D590D9A-8C36-4AE7-882A-4229AA7335BD}" type="datetimeFigureOut">
               <a:rPr lang="en-US" smtClean="0"/>
-              <a:t>1/25/2016</a:t>
+              <a:t>1/29/2016</a:t>
             </a:fld>
             <a:endParaRPr lang="en-US"/>
           </a:p>
@@ -414,7 +415,7 @@
           <a:p>
             <a:fld id="{0D590D9A-8C36-4AE7-882A-4229AA7335BD}" type="datetimeFigureOut">
               <a:rPr lang="en-US" smtClean="0"/>
-              <a:t>1/25/2016</a:t>
+              <a:t>1/29/2016</a:t>
             </a:fld>
             <a:endParaRPr lang="en-US"/>
           </a:p>
@@ -594,7 +595,7 @@
           <a:p>
             <a:fld id="{0D590D9A-8C36-4AE7-882A-4229AA7335BD}" type="datetimeFigureOut">
               <a:rPr lang="en-US" smtClean="0"/>
-              <a:t>1/25/2016</a:t>
+              <a:t>1/29/2016</a:t>
             </a:fld>
             <a:endParaRPr lang="en-US"/>
           </a:p>
@@ -764,7 +765,7 @@
           <a:p>
             <a:fld id="{0D590D9A-8C36-4AE7-882A-4229AA7335BD}" type="datetimeFigureOut">
               <a:rPr lang="en-US" smtClean="0"/>
-              <a:t>1/25/2016</a:t>
+              <a:t>1/29/2016</a:t>
             </a:fld>
             <a:endParaRPr lang="en-US"/>
           </a:p>
@@ -1010,7 +1011,7 @@
           <a:p>
             <a:fld id="{0D590D9A-8C36-4AE7-882A-4229AA7335BD}" type="datetimeFigureOut">
               <a:rPr lang="en-US" smtClean="0"/>
-              <a:t>1/25/2016</a:t>
+              <a:t>1/29/2016</a:t>
             </a:fld>
             <a:endParaRPr lang="en-US"/>
           </a:p>
@@ -1242,7 +1243,7 @@
           <a:p>
             <a:fld id="{0D590D9A-8C36-4AE7-882A-4229AA7335BD}" type="datetimeFigureOut">
               <a:rPr lang="en-US" smtClean="0"/>
-              <a:t>1/25/2016</a:t>
+              <a:t>1/29/2016</a:t>
             </a:fld>
             <a:endParaRPr lang="en-US"/>
           </a:p>
@@ -1609,7 +1610,7 @@
           <a:p>
             <a:fld id="{0D590D9A-8C36-4AE7-882A-4229AA7335BD}" type="datetimeFigureOut">
               <a:rPr lang="en-US" smtClean="0"/>
-              <a:t>1/25/2016</a:t>
+              <a:t>1/29/2016</a:t>
             </a:fld>
             <a:endParaRPr lang="en-US"/>
           </a:p>
@@ -1727,7 +1728,7 @@
           <a:p>
             <a:fld id="{0D590D9A-8C36-4AE7-882A-4229AA7335BD}" type="datetimeFigureOut">
               <a:rPr lang="en-US" smtClean="0"/>
-              <a:t>1/25/2016</a:t>
+              <a:t>1/29/2016</a:t>
             </a:fld>
             <a:endParaRPr lang="en-US"/>
           </a:p>
@@ -1822,7 +1823,7 @@
           <a:p>
             <a:fld id="{0D590D9A-8C36-4AE7-882A-4229AA7335BD}" type="datetimeFigureOut">
               <a:rPr lang="en-US" smtClean="0"/>
-              <a:t>1/25/2016</a:t>
+              <a:t>1/29/2016</a:t>
             </a:fld>
             <a:endParaRPr lang="en-US"/>
           </a:p>
@@ -2099,7 +2100,7 @@
           <a:p>
             <a:fld id="{0D590D9A-8C36-4AE7-882A-4229AA7335BD}" type="datetimeFigureOut">
               <a:rPr lang="en-US" smtClean="0"/>
-              <a:t>1/25/2016</a:t>
+              <a:t>1/29/2016</a:t>
             </a:fld>
             <a:endParaRPr lang="en-US"/>
           </a:p>
@@ -2352,7 +2353,7 @@
           <a:p>
             <a:fld id="{0D590D9A-8C36-4AE7-882A-4229AA7335BD}" type="datetimeFigureOut">
               <a:rPr lang="en-US" smtClean="0"/>
-              <a:t>1/25/2016</a:t>
+              <a:t>1/29/2016</a:t>
             </a:fld>
             <a:endParaRPr lang="en-US"/>
           </a:p>
@@ -2565,7 +2566,7 @@
           <a:p>
             <a:fld id="{0D590D9A-8C36-4AE7-882A-4229AA7335BD}" type="datetimeFigureOut">
               <a:rPr lang="en-US" smtClean="0"/>
-              <a:t>1/25/2016</a:t>
+              <a:t>1/29/2016</a:t>
             </a:fld>
             <a:endParaRPr lang="en-US"/>
           </a:p>
@@ -3212,6 +3213,159 @@
 </p:sld>
 </file>
 
+<file path=ppt/slides/slide3.xml><?xml version="1.0" encoding="utf-8"?>
+<p:sld xmlns:a="http://schemas.openxmlformats.org/drawingml/2006/main" xmlns:r="http://schemas.openxmlformats.org/officeDocument/2006/relationships" xmlns:p="http://schemas.openxmlformats.org/presentationml/2006/main">
+  <p:cSld>
+    <p:spTree>
+      <p:nvGrpSpPr>
+        <p:cNvPr id="1" name=""/>
+        <p:cNvGrpSpPr/>
+        <p:nvPr/>
+      </p:nvGrpSpPr>
+      <p:grpSpPr>
+        <a:xfrm>
+          <a:off x="0" y="0"/>
+          <a:ext cx="0" cy="0"/>
+          <a:chOff x="0" y="0"/>
+          <a:chExt cx="0" cy="0"/>
+        </a:xfrm>
+      </p:grpSpPr>
+      <p:sp>
+        <p:nvSpPr>
+          <p:cNvPr id="2" name="Title 1"/>
+          <p:cNvSpPr>
+            <a:spLocks noGrp="1"/>
+          </p:cNvSpPr>
+          <p:nvPr>
+            <p:ph type="title"/>
+          </p:nvPr>
+        </p:nvSpPr>
+        <p:spPr/>
+        <p:txBody>
+          <a:bodyPr/>
+          <a:lstStyle/>
+          <a:p>
+            <a:r>
+              <a:rPr lang="en-US" dirty="0" smtClean="0"/>
+              <a:t>UI</a:t>
+            </a:r>
+            <a:endParaRPr lang="en-US" dirty="0"/>
+          </a:p>
+        </p:txBody>
+      </p:sp>
+      <p:sp>
+        <p:nvSpPr>
+          <p:cNvPr id="3" name="Content Placeholder 2"/>
+          <p:cNvSpPr>
+            <a:spLocks noGrp="1"/>
+          </p:cNvSpPr>
+          <p:nvPr>
+            <p:ph idx="1"/>
+          </p:nvPr>
+        </p:nvSpPr>
+        <p:spPr/>
+        <p:txBody>
+          <a:bodyPr>
+            <a:normAutofit fontScale="92500" lnSpcReduction="10000"/>
+          </a:bodyPr>
+          <a:lstStyle/>
+          <a:p>
+            <a:r>
+              <a:rPr lang="en-US" dirty="0" smtClean="0"/>
+              <a:t>View</a:t>
+            </a:r>
+          </a:p>
+          <a:p>
+            <a:pPr lvl="1"/>
+            <a:r>
+              <a:rPr lang="en-US" dirty="0" smtClean="0"/>
+              <a:t>All Weather Stations</a:t>
+            </a:r>
+          </a:p>
+          <a:p>
+            <a:pPr lvl="1"/>
+            <a:r>
+              <a:rPr lang="en-US" dirty="0" smtClean="0"/>
+              <a:t>Single Weather Station</a:t>
+            </a:r>
+          </a:p>
+          <a:p>
+            <a:pPr lvl="1"/>
+            <a:r>
+              <a:rPr lang="en-US" dirty="0" smtClean="0"/>
+              <a:t>Graph</a:t>
+            </a:r>
+          </a:p>
+          <a:p>
+            <a:pPr lvl="1"/>
+            <a:r>
+              <a:rPr lang="en-US" dirty="0" smtClean="0"/>
+              <a:t>Live Status</a:t>
+            </a:r>
+          </a:p>
+          <a:p>
+            <a:pPr lvl="2"/>
+            <a:r>
+              <a:rPr lang="en-US" dirty="0" smtClean="0"/>
+              <a:t>Temperature, Humidity, Precipitation, Wind</a:t>
+            </a:r>
+          </a:p>
+          <a:p>
+            <a:pPr lvl="2"/>
+            <a:r>
+              <a:rPr lang="en-US" dirty="0" smtClean="0"/>
+              <a:t>Icons: Cloud, Rain, Snow, Sunny</a:t>
+            </a:r>
+          </a:p>
+          <a:p>
+            <a:r>
+              <a:rPr lang="en-US" dirty="0" smtClean="0"/>
+              <a:t>Report</a:t>
+            </a:r>
+          </a:p>
+          <a:p>
+            <a:pPr lvl="1"/>
+            <a:r>
+              <a:rPr lang="en-US" dirty="0" smtClean="0"/>
+              <a:t>Time based reports</a:t>
+            </a:r>
+          </a:p>
+          <a:p>
+            <a:pPr lvl="1"/>
+            <a:endParaRPr lang="en-US" dirty="0" smtClean="0"/>
+          </a:p>
+          <a:p>
+            <a:r>
+              <a:rPr lang="en-US" dirty="0" smtClean="0"/>
+              <a:t>Functions</a:t>
+            </a:r>
+          </a:p>
+          <a:p>
+            <a:pPr lvl="1"/>
+            <a:r>
+              <a:rPr lang="en-US" dirty="0" smtClean="0"/>
+              <a:t>Assign name to each Weather Stations</a:t>
+            </a:r>
+          </a:p>
+          <a:p>
+            <a:pPr lvl="1"/>
+            <a:endParaRPr lang="en-US" dirty="0"/>
+          </a:p>
+        </p:txBody>
+      </p:sp>
+    </p:spTree>
+    <p:extLst>
+      <p:ext uri="{BB962C8B-B14F-4D97-AF65-F5344CB8AC3E}">
+        <p14:creationId xmlns:p14="http://schemas.microsoft.com/office/powerpoint/2010/main" val="160645838"/>
+      </p:ext>
+    </p:extLst>
+  </p:cSld>
+  <p:clrMapOvr>
+    <a:masterClrMapping/>
+  </p:clrMapOvr>
+</p:sld>
+</file>
+
 <file path=ppt/theme/theme1.xml><?xml version="1.0" encoding="utf-8"?>
 <a:theme xmlns:a="http://schemas.openxmlformats.org/drawingml/2006/main" name="Office Theme">
   <a:themeElements>
@@ -3467,7 +3621,7 @@
   <a:extraClrSchemeLst/>
   <a:extLst>
     <a:ext uri="{05A4C25C-085E-4340-85A3-A5531E510DB2}">
-      <thm15:themeFamily xmlns:thm15="http://schemas.microsoft.com/office/thememl/2012/main" name="Office Theme" id="{62F939B6-93AF-4DB8-9C6B-D6C7DFDC589F}" vid="{4A3C46E8-61CC-4603-A589-7422A47A8E4A}"/>
+      <thm15:themeFamily xmlns:thm15="http://schemas.microsoft.com/office/thememl/2012/main" xmlns="" name="Office Theme" id="{62F939B6-93AF-4DB8-9C6B-D6C7DFDC589F}" vid="{4A3C46E8-61CC-4603-A589-7422A47A8E4A}"/>
     </a:ext>
   </a:extLst>
 </a:theme>
